--- a/SuSS/2023_Sem2_ANL252_Python_4_Biz/Lecture 6/ANL252_SU6_Jul2023 (MK_edits).pptx
+++ b/SuSS/2023_Sem2_ANL252_Python_4_Biz/Lecture 6/ANL252_SU6_Jul2023 (MK_edits).pptx
@@ -21256,6 +21256,50 @@
           </a:prstGeom>
         </p:spPr>
       </p:pic>
+      <p:sp>
+        <p:nvSpPr>
+          <p:cNvPr id="2" name="Rectangle 1">
+            <a:extLst>
+              <a:ext uri="{FF2B5EF4-FFF2-40B4-BE49-F238E27FC236}">
+                <a16:creationId xmlns:a16="http://schemas.microsoft.com/office/drawing/2014/main" id="{97320555-8B83-42FE-8C64-5C6BC20CEDD5}"/>
+              </a:ext>
+            </a:extLst>
+          </p:cNvPr>
+          <p:cNvSpPr/>
+          <p:nvPr/>
+        </p:nvSpPr>
+        <p:spPr>
+          <a:xfrm>
+            <a:off x="123200" y="2226365"/>
+            <a:ext cx="8464463" cy="1590261"/>
+          </a:xfrm>
+          <a:prstGeom prst="rect">
+            <a:avLst/>
+          </a:prstGeom>
+        </p:spPr>
+        <p:style>
+          <a:lnRef idx="1">
+            <a:schemeClr val="accent1"/>
+          </a:lnRef>
+          <a:fillRef idx="3">
+            <a:schemeClr val="accent1"/>
+          </a:fillRef>
+          <a:effectRef idx="2">
+            <a:schemeClr val="accent1"/>
+          </a:effectRef>
+          <a:fontRef idx="minor">
+            <a:schemeClr val="lt1"/>
+          </a:fontRef>
+        </p:style>
+        <p:txBody>
+          <a:bodyPr rtlCol="0" anchor="ctr"/>
+          <a:lstStyle/>
+          <a:p>
+            <a:pPr algn="ctr"/>
+            <a:endParaRPr lang="en-US"/>
+          </a:p>
+        </p:txBody>
+      </p:sp>
     </p:spTree>
     <p:custDataLst>
       <p:tags r:id="rId1"/>
@@ -42516,21 +42560,6 @@
 </file>
 
 <file path=customXml/item1.xml><?xml version="1.0" encoding="utf-8"?>
-<?mso-contentType ?>
-<FormTemplates xmlns="http://schemas.microsoft.com/sharepoint/v3/contenttype/forms">
-  <Display>DocumentLibraryForm</Display>
-  <Edit>DocumentLibraryForm</Edit>
-  <New>DocumentLibraryForm</New>
-</FormTemplates>
-</file>
-
-<file path=customXml/item2.xml><?xml version="1.0" encoding="utf-8"?>
-<p:properties xmlns:p="http://schemas.microsoft.com/office/2006/metadata/properties" xmlns:xsi="http://www.w3.org/2001/XMLSchema-instance">
-  <documentManagement/>
-</p:properties>
-</file>
-
-<file path=customXml/item3.xml><?xml version="1.0" encoding="utf-8"?>
 <ct:contentTypeSchema xmlns:ct="http://schemas.microsoft.com/office/2006/metadata/contentType" xmlns:ma="http://schemas.microsoft.com/office/2006/metadata/properties/metaAttributes" ct:_="" ma:_="" ma:contentTypeName="Document" ma:contentTypeID="0x010100606A1258361F104792B87D967037D439" ma:contentTypeVersion="0" ma:contentTypeDescription="Create a new document." ma:contentTypeScope="" ma:versionID="72d9905301751e4347c9ddc8332f4b8d">
   <xsd:schema xmlns:xsd="http://www.w3.org/2001/XMLSchema" xmlns:p="http://schemas.microsoft.com/office/2006/metadata/properties" targetNamespace="http://schemas.microsoft.com/office/2006/metadata/properties" ma:root="true" ma:fieldsID="4aeb20c0e3442673af7ee10786458764">
     <xsd:element name="properties">
@@ -42579,29 +42608,22 @@
 </ct:contentTypeSchema>
 </file>
 
-<file path=customXml/itemProps1.xml><?xml version="1.0" encoding="utf-8"?>
-<ds:datastoreItem xmlns:ds="http://schemas.openxmlformats.org/officeDocument/2006/customXml" ds:itemID="{A8AED1B3-2F45-4762-91FA-ED08F295B52E}">
-  <ds:schemaRefs>
-    <ds:schemaRef ds:uri="http://schemas.microsoft.com/sharepoint/v3/contenttype/forms"/>
-  </ds:schemaRefs>
-</ds:datastoreItem>
+<file path=customXml/item2.xml><?xml version="1.0" encoding="utf-8"?>
+<?mso-contentType ?>
+<FormTemplates xmlns="http://schemas.microsoft.com/sharepoint/v3/contenttype/forms">
+  <Display>DocumentLibraryForm</Display>
+  <Edit>DocumentLibraryForm</Edit>
+  <New>DocumentLibraryForm</New>
+</FormTemplates>
 </file>
 
-<file path=customXml/itemProps2.xml><?xml version="1.0" encoding="utf-8"?>
-<ds:datastoreItem xmlns:ds="http://schemas.openxmlformats.org/officeDocument/2006/customXml" ds:itemID="{50BC6695-9009-4E8C-96D7-2BD9B437109A}">
-  <ds:schemaRefs>
-    <ds:schemaRef ds:uri="http://purl.org/dc/elements/1.1/"/>
-    <ds:schemaRef ds:uri="http://schemas.microsoft.com/office/2006/metadata/properties"/>
-    <ds:schemaRef ds:uri="http://purl.org/dc/terms/"/>
-    <ds:schemaRef ds:uri="http://schemas.openxmlformats.org/package/2006/metadata/core-properties"/>
-    <ds:schemaRef ds:uri="http://schemas.microsoft.com/office/2006/documentManagement/types"/>
-    <ds:schemaRef ds:uri="http://www.w3.org/XML/1998/namespace"/>
-    <ds:schemaRef ds:uri="http://purl.org/dc/dcmitype/"/>
-  </ds:schemaRefs>
-</ds:datastoreItem>
+<file path=customXml/item3.xml><?xml version="1.0" encoding="utf-8"?>
+<p:properties xmlns:p="http://schemas.microsoft.com/office/2006/metadata/properties" xmlns:xsi="http://www.w3.org/2001/XMLSchema-instance">
+  <documentManagement/>
+</p:properties>
 </file>
 
-<file path=customXml/itemProps3.xml><?xml version="1.0" encoding="utf-8"?>
+<file path=customXml/itemProps1.xml><?xml version="1.0" encoding="utf-8"?>
 <ds:datastoreItem xmlns:ds="http://schemas.openxmlformats.org/officeDocument/2006/customXml" ds:itemID="{F223B4EA-C447-40BA-B202-65C188424725}">
   <ds:schemaRefs>
     <ds:schemaRef ds:uri="http://schemas.microsoft.com/office/2006/metadata/contentType"/>
@@ -42614,4 +42636,26 @@
     <ds:schemaRef ds:uri="http://schemas.microsoft.com/office/internal/2005/internalDocumentation"/>
   </ds:schemaRefs>
 </ds:datastoreItem>
+</file>
+
+<file path=customXml/itemProps2.xml><?xml version="1.0" encoding="utf-8"?>
+<ds:datastoreItem xmlns:ds="http://schemas.openxmlformats.org/officeDocument/2006/customXml" ds:itemID="{A8AED1B3-2F45-4762-91FA-ED08F295B52E}">
+  <ds:schemaRefs>
+    <ds:schemaRef ds:uri="http://schemas.microsoft.com/sharepoint/v3/contenttype/forms"/>
+  </ds:schemaRefs>
+</ds:datastoreItem>
+</file>
+
+<file path=customXml/itemProps3.xml><?xml version="1.0" encoding="utf-8"?>
+<ds:datastoreItem xmlns:ds="http://schemas.openxmlformats.org/officeDocument/2006/customXml" ds:itemID="{50BC6695-9009-4E8C-96D7-2BD9B437109A}">
+  <ds:schemaRefs>
+    <ds:schemaRef ds:uri="http://purl.org/dc/elements/1.1/"/>
+    <ds:schemaRef ds:uri="http://schemas.microsoft.com/office/2006/metadata/properties"/>
+    <ds:schemaRef ds:uri="http://purl.org/dc/terms/"/>
+    <ds:schemaRef ds:uri="http://schemas.openxmlformats.org/package/2006/metadata/core-properties"/>
+    <ds:schemaRef ds:uri="http://schemas.microsoft.com/office/2006/documentManagement/types"/>
+    <ds:schemaRef ds:uri="http://www.w3.org/XML/1998/namespace"/>
+    <ds:schemaRef ds:uri="http://purl.org/dc/dcmitype/"/>
+  </ds:schemaRefs>
+</ds:datastoreItem>
 </file>